--- a/document/draft.pptx
+++ b/document/draft.pptx
@@ -8,20 +8,22 @@
     <p:sldMasterId id="2147483724" r:id="rId4"/>
   </p:sldMasterIdLst>
   <p:notesMasterIdLst>
-    <p:notesMasterId r:id="rId13"/>
+    <p:notesMasterId r:id="rId15"/>
   </p:notesMasterIdLst>
   <p:handoutMasterIdLst>
-    <p:handoutMasterId r:id="rId14"/>
+    <p:handoutMasterId r:id="rId16"/>
   </p:handoutMasterIdLst>
   <p:sldIdLst>
     <p:sldId id="454" r:id="rId5"/>
     <p:sldId id="453" r:id="rId6"/>
     <p:sldId id="455" r:id="rId7"/>
     <p:sldId id="456" r:id="rId8"/>
-    <p:sldId id="449" r:id="rId9"/>
-    <p:sldId id="441" r:id="rId10"/>
-    <p:sldId id="443" r:id="rId11"/>
-    <p:sldId id="452" r:id="rId12"/>
+    <p:sldId id="458" r:id="rId9"/>
+    <p:sldId id="457" r:id="rId10"/>
+    <p:sldId id="449" r:id="rId11"/>
+    <p:sldId id="441" r:id="rId12"/>
+    <p:sldId id="443" r:id="rId13"/>
+    <p:sldId id="452" r:id="rId14"/>
   </p:sldIdLst>
   <p:sldSz cx="12192000" cy="6858000"/>
   <p:notesSz cx="6858000" cy="9144000"/>
@@ -277,7 +279,7 @@
           <a:p>
             <a:fld id="{E54A69E4-EFBB-4687-8058-A94EE1B5781B}" type="datetimeFigureOut">
               <a:rPr lang="en-US" smtClean="0"/>
-              <a:t>2022-07-14</a:t>
+              <a:t>2022-07-24</a:t>
             </a:fld>
             <a:endParaRPr lang="en-US" dirty="0"/>
           </a:p>
@@ -454,7 +456,7 @@
           <a:p>
             <a:fld id="{CDE546B2-EB9C-4E9C-8793-C25F32D58B9A}" type="datetimeFigureOut">
               <a:rPr lang="en-US" smtClean="0"/>
-              <a:t>2022-07-14</a:t>
+              <a:t>2022-07-24</a:t>
             </a:fld>
             <a:endParaRPr lang="en-US" dirty="0"/>
           </a:p>
@@ -1048,6 +1050,90 @@
     <p:extLst>
       <p:ext uri="{BB962C8B-B14F-4D97-AF65-F5344CB8AC3E}">
         <p14:creationId xmlns:p14="http://schemas.microsoft.com/office/powerpoint/2010/main" val="3681682639"/>
+      </p:ext>
+    </p:extLst>
+  </p:cSld>
+  <p:clrMapOvr>
+    <a:masterClrMapping/>
+  </p:clrMapOvr>
+</p:notes>
+</file>
+
+<file path=ppt/notesSlides/notesSlide5.xml><?xml version="1.0" encoding="utf-8"?>
+<p:notes xmlns:a="http://schemas.openxmlformats.org/drawingml/2006/main" xmlns:r="http://schemas.openxmlformats.org/officeDocument/2006/relationships" xmlns:p="http://schemas.openxmlformats.org/presentationml/2006/main">
+  <p:cSld>
+    <p:spTree>
+      <p:nvGrpSpPr>
+        <p:cNvPr id="1" name=""/>
+        <p:cNvGrpSpPr/>
+        <p:nvPr/>
+      </p:nvGrpSpPr>
+      <p:grpSpPr>
+        <a:xfrm>
+          <a:off x="0" y="0"/>
+          <a:ext cx="0" cy="0"/>
+          <a:chOff x="0" y="0"/>
+          <a:chExt cx="0" cy="0"/>
+        </a:xfrm>
+      </p:grpSpPr>
+      <p:sp>
+        <p:nvSpPr>
+          <p:cNvPr id="2" name="Slide Image Placeholder 1"/>
+          <p:cNvSpPr>
+            <a:spLocks noGrp="1" noRot="1" noChangeAspect="1"/>
+          </p:cNvSpPr>
+          <p:nvPr>
+            <p:ph type="sldImg"/>
+          </p:nvPr>
+        </p:nvSpPr>
+        <p:spPr/>
+      </p:sp>
+      <p:sp>
+        <p:nvSpPr>
+          <p:cNvPr id="3" name="Notes Placeholder 2"/>
+          <p:cNvSpPr>
+            <a:spLocks noGrp="1"/>
+          </p:cNvSpPr>
+          <p:nvPr>
+            <p:ph type="body" idx="1"/>
+          </p:nvPr>
+        </p:nvSpPr>
+        <p:spPr/>
+        <p:txBody>
+          <a:bodyPr/>
+          <a:lstStyle/>
+          <a:p>
+            <a:endParaRPr lang="en-US" dirty="0"/>
+          </a:p>
+        </p:txBody>
+      </p:sp>
+      <p:sp>
+        <p:nvSpPr>
+          <p:cNvPr id="4" name="Slide Number Placeholder 3"/>
+          <p:cNvSpPr>
+            <a:spLocks noGrp="1"/>
+          </p:cNvSpPr>
+          <p:nvPr>
+            <p:ph type="sldNum" sz="quarter" idx="5"/>
+          </p:nvPr>
+        </p:nvSpPr>
+        <p:spPr/>
+        <p:txBody>
+          <a:bodyPr/>
+          <a:lstStyle/>
+          <a:p>
+            <a:fld id="{6B83F1C3-4FA3-4491-97F4-43CA9C8BDFDF}" type="slidenum">
+              <a:rPr lang="en-US" smtClean="0"/>
+              <a:t>5</a:t>
+            </a:fld>
+            <a:endParaRPr lang="en-US" dirty="0"/>
+          </a:p>
+        </p:txBody>
+      </p:sp>
+    </p:spTree>
+    <p:extLst>
+      <p:ext uri="{BB962C8B-B14F-4D97-AF65-F5344CB8AC3E}">
+        <p14:creationId xmlns:p14="http://schemas.microsoft.com/office/powerpoint/2010/main" val="925156768"/>
       </p:ext>
     </p:extLst>
   </p:cSld>
@@ -4972,7 +5058,7 @@
           <a:p>
             <a:fld id="{8F310904-DE8F-4B8E-99C6-5AFA03672FFA}" type="datetimeFigureOut">
               <a:rPr lang="en-US" smtClean="0"/>
-              <a:t>2022-07-14</a:t>
+              <a:t>2022-07-24</a:t>
             </a:fld>
             <a:endParaRPr lang="en-US" dirty="0"/>
           </a:p>
@@ -5512,7 +5598,7 @@
           <a:p>
             <a:fld id="{8F310904-DE8F-4B8E-99C6-5AFA03672FFA}" type="datetimeFigureOut">
               <a:rPr lang="en-US" smtClean="0"/>
-              <a:t>2022-07-14</a:t>
+              <a:t>2022-07-24</a:t>
             </a:fld>
             <a:endParaRPr lang="en-US" dirty="0"/>
           </a:p>
@@ -6049,7 +6135,7 @@
           <a:p>
             <a:fld id="{8F310904-DE8F-4B8E-99C6-5AFA03672FFA}" type="datetimeFigureOut">
               <a:rPr lang="en-US" smtClean="0"/>
-              <a:t>2022-07-14</a:t>
+              <a:t>2022-07-24</a:t>
             </a:fld>
             <a:endParaRPr lang="en-US" dirty="0"/>
           </a:p>
@@ -6586,7 +6672,7 @@
           <a:p>
             <a:fld id="{8F310904-DE8F-4B8E-99C6-5AFA03672FFA}" type="datetimeFigureOut">
               <a:rPr lang="en-US" smtClean="0"/>
-              <a:t>2022-07-14</a:t>
+              <a:t>2022-07-24</a:t>
             </a:fld>
             <a:endParaRPr lang="en-US" dirty="0"/>
           </a:p>
@@ -15790,6 +15876,293 @@
 </p:sld>
 </file>
 
+<file path=ppt/slides/slide10.xml><?xml version="1.0" encoding="utf-8"?>
+<p:sld xmlns:a="http://schemas.openxmlformats.org/drawingml/2006/main" xmlns:r="http://schemas.openxmlformats.org/officeDocument/2006/relationships" xmlns:p="http://schemas.openxmlformats.org/presentationml/2006/main">
+  <p:cSld>
+    <p:spTree>
+      <p:nvGrpSpPr>
+        <p:cNvPr id="1" name=""/>
+        <p:cNvGrpSpPr/>
+        <p:nvPr/>
+      </p:nvGrpSpPr>
+      <p:grpSpPr>
+        <a:xfrm>
+          <a:off x="0" y="0"/>
+          <a:ext cx="0" cy="0"/>
+          <a:chOff x="0" y="0"/>
+          <a:chExt cx="0" cy="0"/>
+        </a:xfrm>
+      </p:grpSpPr>
+      <p:sp>
+        <p:nvSpPr>
+          <p:cNvPr id="12" name="Title 11">
+            <a:extLst>
+              <a:ext uri="{FF2B5EF4-FFF2-40B4-BE49-F238E27FC236}">
+                <a16:creationId xmlns:a16="http://schemas.microsoft.com/office/drawing/2014/main" id="{110C83CB-3D9E-4AB8-9D97-83A5221F68DC}"/>
+              </a:ext>
+            </a:extLst>
+          </p:cNvPr>
+          <p:cNvSpPr>
+            <a:spLocks noGrp="1"/>
+          </p:cNvSpPr>
+          <p:nvPr>
+            <p:ph type="title"/>
+          </p:nvPr>
+        </p:nvSpPr>
+        <p:spPr>
+          <a:xfrm>
+            <a:off x="457199" y="2569464"/>
+            <a:ext cx="3619501" cy="1179576"/>
+          </a:xfrm>
+        </p:spPr>
+        <p:txBody>
+          <a:bodyPr/>
+          <a:lstStyle/>
+          <a:p>
+            <a:r>
+              <a:rPr lang="en-US" dirty="0"/>
+              <a:t>AMUSEMENTS</a:t>
+            </a:r>
+          </a:p>
+        </p:txBody>
+      </p:sp>
+      <p:pic>
+        <p:nvPicPr>
+          <p:cNvPr id="22" name="Picture Placeholder 21" descr="Color swatch tawny orange">
+            <a:extLst>
+              <a:ext uri="{FF2B5EF4-FFF2-40B4-BE49-F238E27FC236}">
+                <a16:creationId xmlns:a16="http://schemas.microsoft.com/office/drawing/2014/main" id="{E90EFA49-87AA-420E-A193-C2516084479A}"/>
+              </a:ext>
+            </a:extLst>
+          </p:cNvPr>
+          <p:cNvPicPr>
+            <a:picLocks noGrp="1" noChangeAspect="1"/>
+          </p:cNvPicPr>
+          <p:nvPr>
+            <p:ph type="pic" sz="quarter" idx="13"/>
+          </p:nvPr>
+        </p:nvPicPr>
+        <p:blipFill rotWithShape="1">
+          <a:blip r:embed="rId2"/>
+          <a:srcRect l="105" r="105"/>
+          <a:stretch/>
+        </p:blipFill>
+        <p:spPr>
+          <a:xfrm>
+            <a:off x="4279392" y="1463040"/>
+            <a:ext cx="1499616" cy="2194560"/>
+          </a:xfrm>
+        </p:spPr>
+      </p:pic>
+      <p:pic>
+        <p:nvPicPr>
+          <p:cNvPr id="24" name="Picture Placeholder 23" descr="Color swatch very peri">
+            <a:extLst>
+              <a:ext uri="{FF2B5EF4-FFF2-40B4-BE49-F238E27FC236}">
+                <a16:creationId xmlns:a16="http://schemas.microsoft.com/office/drawing/2014/main" id="{385F869F-60E2-47C0-BAF7-5ADA904E37D4}"/>
+              </a:ext>
+            </a:extLst>
+          </p:cNvPr>
+          <p:cNvPicPr>
+            <a:picLocks noGrp="1" noChangeAspect="1"/>
+          </p:cNvPicPr>
+          <p:nvPr>
+            <p:ph type="pic" sz="quarter" idx="14"/>
+          </p:nvPr>
+        </p:nvPicPr>
+        <p:blipFill rotWithShape="1">
+          <a:blip r:embed="rId3"/>
+          <a:srcRect l="105" r="105"/>
+          <a:stretch/>
+        </p:blipFill>
+        <p:spPr>
+          <a:xfrm>
+            <a:off x="6227064" y="1463040"/>
+            <a:ext cx="1499616" cy="2194560"/>
+          </a:xfrm>
+        </p:spPr>
+      </p:pic>
+      <p:pic>
+        <p:nvPicPr>
+          <p:cNvPr id="26" name="Picture Placeholder 25" descr="Color swatch iced coffee">
+            <a:extLst>
+              <a:ext uri="{FF2B5EF4-FFF2-40B4-BE49-F238E27FC236}">
+                <a16:creationId xmlns:a16="http://schemas.microsoft.com/office/drawing/2014/main" id="{500B9E95-A0B6-44ED-A5B9-1DE0AF493FA7}"/>
+              </a:ext>
+            </a:extLst>
+          </p:cNvPr>
+          <p:cNvPicPr>
+            <a:picLocks noGrp="1" noChangeAspect="1"/>
+          </p:cNvPicPr>
+          <p:nvPr>
+            <p:ph type="pic" sz="quarter" idx="15"/>
+          </p:nvPr>
+        </p:nvPicPr>
+        <p:blipFill rotWithShape="1">
+          <a:blip r:embed="rId4"/>
+          <a:srcRect l="52" r="52"/>
+          <a:stretch/>
+        </p:blipFill>
+        <p:spPr>
+          <a:xfrm>
+            <a:off x="8174736" y="1463040"/>
+            <a:ext cx="1499616" cy="2194560"/>
+          </a:xfrm>
+        </p:spPr>
+      </p:pic>
+      <p:pic>
+        <p:nvPicPr>
+          <p:cNvPr id="28" name="Picture Placeholder 27" descr="Color swatch pink flambe">
+            <a:extLst>
+              <a:ext uri="{FF2B5EF4-FFF2-40B4-BE49-F238E27FC236}">
+                <a16:creationId xmlns:a16="http://schemas.microsoft.com/office/drawing/2014/main" id="{6C08EE4B-CAD5-4A12-8042-F3968B07C475}"/>
+              </a:ext>
+            </a:extLst>
+          </p:cNvPr>
+          <p:cNvPicPr>
+            <a:picLocks noGrp="1" noChangeAspect="1"/>
+          </p:cNvPicPr>
+          <p:nvPr>
+            <p:ph type="pic" sz="quarter" idx="16"/>
+          </p:nvPr>
+        </p:nvPicPr>
+        <p:blipFill rotWithShape="1">
+          <a:blip r:embed="rId5"/>
+          <a:srcRect l="52" r="52"/>
+          <a:stretch/>
+        </p:blipFill>
+        <p:spPr>
+          <a:xfrm>
+            <a:off x="10122408" y="1463040"/>
+            <a:ext cx="1499616" cy="2194560"/>
+          </a:xfrm>
+        </p:spPr>
+      </p:pic>
+      <p:pic>
+        <p:nvPicPr>
+          <p:cNvPr id="30" name="Picture Placeholder 29" descr="Color swatch fuchsia pink">
+            <a:extLst>
+              <a:ext uri="{FF2B5EF4-FFF2-40B4-BE49-F238E27FC236}">
+                <a16:creationId xmlns:a16="http://schemas.microsoft.com/office/drawing/2014/main" id="{87CFE92E-F489-4195-ABCD-D89E2663F9DD}"/>
+              </a:ext>
+            </a:extLst>
+          </p:cNvPr>
+          <p:cNvPicPr>
+            <a:picLocks noGrp="1" noChangeAspect="1"/>
+          </p:cNvPicPr>
+          <p:nvPr>
+            <p:ph type="pic" sz="quarter" idx="17"/>
+          </p:nvPr>
+        </p:nvPicPr>
+        <p:blipFill rotWithShape="1">
+          <a:blip r:embed="rId6"/>
+          <a:srcRect l="105" r="105"/>
+          <a:stretch/>
+        </p:blipFill>
+        <p:spPr>
+          <a:xfrm>
+            <a:off x="4279392" y="4087368"/>
+            <a:ext cx="1499616" cy="2194560"/>
+          </a:xfrm>
+        </p:spPr>
+      </p:pic>
+      <p:pic>
+        <p:nvPicPr>
+          <p:cNvPr id="32" name="Picture Placeholder 31" descr="Color swatch paradise pink">
+            <a:extLst>
+              <a:ext uri="{FF2B5EF4-FFF2-40B4-BE49-F238E27FC236}">
+                <a16:creationId xmlns:a16="http://schemas.microsoft.com/office/drawing/2014/main" id="{DD6340D8-6347-4F3C-B04F-6B0AFD6AD08F}"/>
+              </a:ext>
+            </a:extLst>
+          </p:cNvPr>
+          <p:cNvPicPr>
+            <a:picLocks noGrp="1" noChangeAspect="1"/>
+          </p:cNvPicPr>
+          <p:nvPr>
+            <p:ph type="pic" sz="quarter" idx="18"/>
+          </p:nvPr>
+        </p:nvPicPr>
+        <p:blipFill rotWithShape="1">
+          <a:blip r:embed="rId7"/>
+          <a:srcRect l="105" r="105"/>
+          <a:stretch/>
+        </p:blipFill>
+        <p:spPr>
+          <a:xfrm>
+            <a:off x="6227064" y="4087368"/>
+            <a:ext cx="1499616" cy="2194560"/>
+          </a:xfrm>
+        </p:spPr>
+      </p:pic>
+      <p:pic>
+        <p:nvPicPr>
+          <p:cNvPr id="34" name="Picture Placeholder 33" descr="Color swatch cornsilk">
+            <a:extLst>
+              <a:ext uri="{FF2B5EF4-FFF2-40B4-BE49-F238E27FC236}">
+                <a16:creationId xmlns:a16="http://schemas.microsoft.com/office/drawing/2014/main" id="{939A25C6-0BAB-4696-BEB2-EA80D9A58734}"/>
+              </a:ext>
+            </a:extLst>
+          </p:cNvPr>
+          <p:cNvPicPr>
+            <a:picLocks noGrp="1" noChangeAspect="1"/>
+          </p:cNvPicPr>
+          <p:nvPr>
+            <p:ph type="pic" sz="quarter" idx="19"/>
+          </p:nvPr>
+        </p:nvPicPr>
+        <p:blipFill rotWithShape="1">
+          <a:blip r:embed="rId8"/>
+          <a:srcRect l="52" r="52"/>
+          <a:stretch/>
+        </p:blipFill>
+        <p:spPr>
+          <a:xfrm>
+            <a:off x="8174736" y="4087368"/>
+            <a:ext cx="1499616" cy="2194560"/>
+          </a:xfrm>
+        </p:spPr>
+      </p:pic>
+      <p:pic>
+        <p:nvPicPr>
+          <p:cNvPr id="36" name="Picture Placeholder 35" descr="Color swatch tourmaline">
+            <a:extLst>
+              <a:ext uri="{FF2B5EF4-FFF2-40B4-BE49-F238E27FC236}">
+                <a16:creationId xmlns:a16="http://schemas.microsoft.com/office/drawing/2014/main" id="{C9DE44EF-C424-4FDE-932C-92EAB598B2A7}"/>
+              </a:ext>
+            </a:extLst>
+          </p:cNvPr>
+          <p:cNvPicPr>
+            <a:picLocks noGrp="1" noChangeAspect="1"/>
+          </p:cNvPicPr>
+          <p:nvPr>
+            <p:ph type="pic" sz="quarter" idx="20"/>
+          </p:nvPr>
+        </p:nvPicPr>
+        <p:blipFill rotWithShape="1">
+          <a:blip r:embed="rId9"/>
+          <a:srcRect l="257" r="257"/>
+          <a:stretch/>
+        </p:blipFill>
+        <p:spPr>
+          <a:xfrm>
+            <a:off x="10122408" y="4087368"/>
+            <a:ext cx="1499616" cy="2194560"/>
+          </a:xfrm>
+        </p:spPr>
+      </p:pic>
+    </p:spTree>
+    <p:extLst>
+      <p:ext uri="{BB962C8B-B14F-4D97-AF65-F5344CB8AC3E}">
+        <p14:creationId xmlns:p14="http://schemas.microsoft.com/office/powerpoint/2010/main" val="3106832019"/>
+      </p:ext>
+    </p:extLst>
+  </p:cSld>
+  <p:clrMapOvr>
+    <a:masterClrMapping/>
+  </p:clrMapOvr>
+</p:sld>
+</file>
+
 <file path=ppt/slides/slide2.xml><?xml version="1.0" encoding="utf-8"?>
 <p:sld xmlns:a="http://schemas.openxmlformats.org/drawingml/2006/main" xmlns:r="http://schemas.openxmlformats.org/officeDocument/2006/relationships" xmlns:p="http://schemas.openxmlformats.org/presentationml/2006/main">
   <p:cSld>
@@ -19736,6 +20109,524 @@
       </p:grpSpPr>
       <p:sp>
         <p:nvSpPr>
+          <p:cNvPr id="6" name="Rectangle: Rounded Corners 5">
+            <a:extLst>
+              <a:ext uri="{FF2B5EF4-FFF2-40B4-BE49-F238E27FC236}">
+                <a16:creationId xmlns:a16="http://schemas.microsoft.com/office/drawing/2014/main" id="{1139F6EB-55D5-73B1-D8D0-8DBF289DDD96}"/>
+              </a:ext>
+            </a:extLst>
+          </p:cNvPr>
+          <p:cNvSpPr/>
+          <p:nvPr/>
+        </p:nvSpPr>
+        <p:spPr>
+          <a:xfrm>
+            <a:off x="666749" y="905489"/>
+            <a:ext cx="10858499" cy="4890407"/>
+          </a:xfrm>
+          <a:prstGeom prst="roundRect">
+            <a:avLst>
+              <a:gd name="adj" fmla="val 4661"/>
+            </a:avLst>
+          </a:prstGeom>
+          <a:blipFill dpi="0" rotWithShape="1">
+            <a:blip r:embed="rId3">
+              <a:alphaModFix amt="10000"/>
+            </a:blip>
+            <a:srcRect/>
+            <a:stretch>
+              <a:fillRect/>
+            </a:stretch>
+          </a:blipFill>
+          <a:ln>
+            <a:solidFill>
+              <a:srgbClr val="6667AB"/>
+            </a:solidFill>
+          </a:ln>
+          <a:effectLst>
+            <a:outerShdw blurRad="50800" dist="38100" dir="2700000" algn="tl" rotWithShape="0">
+              <a:prstClr val="black">
+                <a:alpha val="40000"/>
+              </a:prstClr>
+            </a:outerShdw>
+          </a:effectLst>
+        </p:spPr>
+        <p:style>
+          <a:lnRef idx="2">
+            <a:schemeClr val="accent1">
+              <a:shade val="50000"/>
+            </a:schemeClr>
+          </a:lnRef>
+          <a:fillRef idx="1">
+            <a:schemeClr val="accent1"/>
+          </a:fillRef>
+          <a:effectRef idx="0">
+            <a:schemeClr val="accent1"/>
+          </a:effectRef>
+          <a:fontRef idx="minor">
+            <a:schemeClr val="lt1"/>
+          </a:fontRef>
+        </p:style>
+        <p:txBody>
+          <a:bodyPr rtlCol="0" anchor="ctr"/>
+          <a:lstStyle/>
+          <a:p>
+            <a:pPr algn="ctr"/>
+            <a:endParaRPr lang="zh-CN" altLang="en-US"/>
+          </a:p>
+        </p:txBody>
+      </p:sp>
+      <p:grpSp>
+        <p:nvGrpSpPr>
+          <p:cNvPr id="5" name="Group 4">
+            <a:extLst>
+              <a:ext uri="{FF2B5EF4-FFF2-40B4-BE49-F238E27FC236}">
+                <a16:creationId xmlns:a16="http://schemas.microsoft.com/office/drawing/2014/main" id="{842E0C44-033B-4A8A-D13F-ECFBF4D09058}"/>
+              </a:ext>
+            </a:extLst>
+          </p:cNvPr>
+          <p:cNvGrpSpPr/>
+          <p:nvPr/>
+        </p:nvGrpSpPr>
+        <p:grpSpPr>
+          <a:xfrm>
+            <a:off x="2660708" y="4095869"/>
+            <a:ext cx="6870583" cy="1183443"/>
+            <a:chOff x="3621574" y="2001185"/>
+            <a:chExt cx="6870583" cy="1183443"/>
+          </a:xfrm>
+        </p:grpSpPr>
+        <p:sp>
+          <p:nvSpPr>
+            <p:cNvPr id="11" name="TextBox 10">
+              <a:extLst>
+                <a:ext uri="{FF2B5EF4-FFF2-40B4-BE49-F238E27FC236}">
+                  <a16:creationId xmlns:a16="http://schemas.microsoft.com/office/drawing/2014/main" id="{3BFB8FB7-E3DA-6ACA-7B6D-54E0EEFC482D}"/>
+                </a:ext>
+              </a:extLst>
+            </p:cNvPr>
+            <p:cNvSpPr txBox="1"/>
+            <p:nvPr/>
+          </p:nvSpPr>
+          <p:spPr>
+            <a:xfrm>
+              <a:off x="3621574" y="2001185"/>
+              <a:ext cx="6870583" cy="707886"/>
+            </a:xfrm>
+            <a:prstGeom prst="rect">
+              <a:avLst/>
+            </a:prstGeom>
+            <a:noFill/>
+          </p:spPr>
+          <p:txBody>
+            <a:bodyPr wrap="square" rtlCol="0">
+              <a:spAutoFit/>
+            </a:bodyPr>
+            <a:lstStyle/>
+            <a:p>
+              <a:pPr algn="ctr"/>
+              <a:r>
+                <a:rPr lang="zh-CN" altLang="en-US" sz="4000" spc="300" dirty="0">
+                  <a:gradFill flip="none" rotWithShape="1">
+                    <a:gsLst>
+                      <a:gs pos="0">
+                        <a:schemeClr val="accent5">
+                          <a:lumMod val="95000"/>
+                          <a:lumOff val="5000"/>
+                        </a:schemeClr>
+                      </a:gs>
+                      <a:gs pos="100000">
+                        <a:schemeClr val="accent5">
+                          <a:lumMod val="60000"/>
+                        </a:schemeClr>
+                      </a:gs>
+                    </a:gsLst>
+                    <a:path path="circle">
+                      <a:fillToRect l="50000" t="130000" r="50000" b="-30000"/>
+                    </a:path>
+                    <a:tileRect/>
+                  </a:gradFill>
+                  <a:effectLst>
+                    <a:outerShdw blurRad="38100" dist="38100" dir="2700000" algn="tl">
+                      <a:srgbClr val="000000">
+                        <a:alpha val="43137"/>
+                      </a:srgbClr>
+                    </a:outerShdw>
+                  </a:effectLst>
+                  <a:latin typeface="优设标题黑" panose="00000500000000000000" pitchFamily="2" charset="-122"/>
+                  <a:ea typeface="优设标题黑" panose="00000500000000000000" pitchFamily="2" charset="-122"/>
+                </a:rPr>
+                <a:t>基于声纹识别的语声控制器</a:t>
+              </a:r>
+              <a:endParaRPr lang="en-US" altLang="zh-CN" sz="4000" spc="300" dirty="0">
+                <a:gradFill flip="none" rotWithShape="1">
+                  <a:gsLst>
+                    <a:gs pos="0">
+                      <a:schemeClr val="accent5">
+                        <a:lumMod val="95000"/>
+                        <a:lumOff val="5000"/>
+                      </a:schemeClr>
+                    </a:gs>
+                    <a:gs pos="100000">
+                      <a:schemeClr val="accent5">
+                        <a:lumMod val="60000"/>
+                      </a:schemeClr>
+                    </a:gs>
+                  </a:gsLst>
+                  <a:path path="circle">
+                    <a:fillToRect l="50000" t="130000" r="50000" b="-30000"/>
+                  </a:path>
+                  <a:tileRect/>
+                </a:gradFill>
+                <a:effectLst>
+                  <a:outerShdw blurRad="38100" dist="38100" dir="2700000" algn="tl">
+                    <a:srgbClr val="000000">
+                      <a:alpha val="43137"/>
+                    </a:srgbClr>
+                  </a:outerShdw>
+                </a:effectLst>
+                <a:latin typeface="优设标题黑" panose="00000500000000000000" pitchFamily="2" charset="-122"/>
+                <a:ea typeface="优设标题黑" panose="00000500000000000000" pitchFamily="2" charset="-122"/>
+              </a:endParaRPr>
+            </a:p>
+          </p:txBody>
+        </p:sp>
+        <p:sp>
+          <p:nvSpPr>
+            <p:cNvPr id="13" name="TextBox 12">
+              <a:extLst>
+                <a:ext uri="{FF2B5EF4-FFF2-40B4-BE49-F238E27FC236}">
+                  <a16:creationId xmlns:a16="http://schemas.microsoft.com/office/drawing/2014/main" id="{5C3FC50C-5292-3F8F-410A-E84FFADA567F}"/>
+                </a:ext>
+              </a:extLst>
+            </p:cNvPr>
+            <p:cNvSpPr txBox="1"/>
+            <p:nvPr/>
+          </p:nvSpPr>
+          <p:spPr>
+            <a:xfrm>
+              <a:off x="3621574" y="2815296"/>
+              <a:ext cx="6870582" cy="369332"/>
+            </a:xfrm>
+            <a:prstGeom prst="rect">
+              <a:avLst/>
+            </a:prstGeom>
+            <a:noFill/>
+          </p:spPr>
+          <p:txBody>
+            <a:bodyPr wrap="square" rtlCol="0">
+              <a:spAutoFit/>
+            </a:bodyPr>
+            <a:lstStyle/>
+            <a:p>
+              <a:pPr algn="ctr"/>
+              <a:r>
+                <a:rPr lang="en-US" altLang="zh-CN" sz="1800" i="1" dirty="0">
+                  <a:solidFill>
+                    <a:schemeClr val="tx1">
+                      <a:lumMod val="75000"/>
+                      <a:lumOff val="25000"/>
+                    </a:schemeClr>
+                  </a:solidFill>
+                  <a:effectLst>
+                    <a:outerShdw blurRad="38100" dist="38100" dir="2700000" algn="tl">
+                      <a:srgbClr val="000000">
+                        <a:alpha val="43137"/>
+                      </a:srgbClr>
+                    </a:outerShdw>
+                  </a:effectLst>
+                  <a:latin typeface="Consolas" panose="020B0609020204030204" pitchFamily="49" charset="0"/>
+                  <a:ea typeface="微软雅黑" panose="020B0503020204020204" pitchFamily="34" charset="-122"/>
+                </a:rPr>
+                <a:t>Voice Control System Based on Voiceprint Recognition </a:t>
+              </a:r>
+              <a:endParaRPr lang="zh-CN" altLang="en-US" sz="1800" i="1" dirty="0">
+                <a:solidFill>
+                  <a:schemeClr val="tx1">
+                    <a:lumMod val="75000"/>
+                    <a:lumOff val="25000"/>
+                  </a:schemeClr>
+                </a:solidFill>
+                <a:effectLst>
+                  <a:outerShdw blurRad="38100" dist="38100" dir="2700000" algn="tl">
+                    <a:srgbClr val="000000">
+                      <a:alpha val="43137"/>
+                    </a:srgbClr>
+                  </a:outerShdw>
+                </a:effectLst>
+                <a:latin typeface="Consolas" panose="020B0609020204030204" pitchFamily="49" charset="0"/>
+                <a:ea typeface="微软雅黑" panose="020B0503020204020204" pitchFamily="34" charset="-122"/>
+              </a:endParaRPr>
+            </a:p>
+          </p:txBody>
+        </p:sp>
+      </p:grpSp>
+      <p:pic>
+        <p:nvPicPr>
+          <p:cNvPr id="16" name="Picture 15">
+            <a:extLst>
+              <a:ext uri="{FF2B5EF4-FFF2-40B4-BE49-F238E27FC236}">
+                <a16:creationId xmlns:a16="http://schemas.microsoft.com/office/drawing/2014/main" id="{9FD061ED-5F5D-9B15-CC94-8665E7AD8B85}"/>
+              </a:ext>
+            </a:extLst>
+          </p:cNvPr>
+          <p:cNvPicPr>
+            <a:picLocks noChangeAspect="1"/>
+          </p:cNvPicPr>
+          <p:nvPr/>
+        </p:nvPicPr>
+        <p:blipFill>
+          <a:blip r:embed="rId4"/>
+          <a:stretch>
+            <a:fillRect/>
+          </a:stretch>
+        </p:blipFill>
+        <p:spPr>
+          <a:xfrm>
+            <a:off x="4516997" y="1369481"/>
+            <a:ext cx="3158002" cy="2426418"/>
+          </a:xfrm>
+          <a:prstGeom prst="rect">
+            <a:avLst/>
+          </a:prstGeom>
+          <a:effectLst>
+            <a:outerShdw blurRad="50800" dist="38100" dir="2700000" algn="tl" rotWithShape="0">
+              <a:prstClr val="black">
+                <a:alpha val="40000"/>
+              </a:prstClr>
+            </a:outerShdw>
+          </a:effectLst>
+        </p:spPr>
+      </p:pic>
+    </p:spTree>
+    <p:extLst>
+      <p:ext uri="{BB962C8B-B14F-4D97-AF65-F5344CB8AC3E}">
+        <p14:creationId xmlns:p14="http://schemas.microsoft.com/office/powerpoint/2010/main" val="4040195437"/>
+      </p:ext>
+    </p:extLst>
+  </p:cSld>
+  <p:clrMapOvr>
+    <a:masterClrMapping/>
+  </p:clrMapOvr>
+</p:sld>
+</file>
+
+<file path=ppt/slides/slide6.xml><?xml version="1.0" encoding="utf-8"?>
+<p:sld xmlns:a="http://schemas.openxmlformats.org/drawingml/2006/main" xmlns:r="http://schemas.openxmlformats.org/officeDocument/2006/relationships" xmlns:p="http://schemas.openxmlformats.org/presentationml/2006/main">
+  <p:cSld>
+    <p:spTree>
+      <p:nvGrpSpPr>
+        <p:cNvPr id="1" name=""/>
+        <p:cNvGrpSpPr/>
+        <p:nvPr/>
+      </p:nvGrpSpPr>
+      <p:grpSpPr>
+        <a:xfrm>
+          <a:off x="0" y="0"/>
+          <a:ext cx="0" cy="0"/>
+          <a:chOff x="0" y="0"/>
+          <a:chExt cx="0" cy="0"/>
+        </a:xfrm>
+      </p:grpSpPr>
+      <p:pic>
+        <p:nvPicPr>
+          <p:cNvPr id="6" name="Picture 5">
+            <a:extLst>
+              <a:ext uri="{FF2B5EF4-FFF2-40B4-BE49-F238E27FC236}">
+                <a16:creationId xmlns:a16="http://schemas.microsoft.com/office/drawing/2014/main" id="{0D7504EB-1F4D-B7A0-1C4C-796100D0763A}"/>
+              </a:ext>
+            </a:extLst>
+          </p:cNvPr>
+          <p:cNvPicPr>
+            <a:picLocks noChangeAspect="1"/>
+          </p:cNvPicPr>
+          <p:nvPr/>
+        </p:nvPicPr>
+        <p:blipFill rotWithShape="1">
+          <a:blip r:embed="rId2">
+            <a:extLst>
+              <a:ext uri="{28A0092B-C50C-407E-A947-70E740481C1C}">
+                <a14:useLocalDpi xmlns:a14="http://schemas.microsoft.com/office/drawing/2010/main" val="0"/>
+              </a:ext>
+            </a:extLst>
+          </a:blip>
+          <a:srcRect l="43906" t="1" b="278"/>
+          <a:stretch/>
+        </p:blipFill>
+        <p:spPr>
+          <a:xfrm>
+            <a:off x="5353048" y="0"/>
+            <a:ext cx="6838951" cy="6838950"/>
+          </a:xfrm>
+          <a:prstGeom prst="rect">
+            <a:avLst/>
+          </a:prstGeom>
+        </p:spPr>
+      </p:pic>
+      <p:sp>
+        <p:nvSpPr>
+          <p:cNvPr id="7" name="Rectangle 6">
+            <a:extLst>
+              <a:ext uri="{FF2B5EF4-FFF2-40B4-BE49-F238E27FC236}">
+                <a16:creationId xmlns:a16="http://schemas.microsoft.com/office/drawing/2014/main" id="{9DC4142E-CF6C-1393-2B1C-F38C9AF9909D}"/>
+              </a:ext>
+            </a:extLst>
+          </p:cNvPr>
+          <p:cNvSpPr>
+            <a:spLocks noChangeAspect="1"/>
+          </p:cNvSpPr>
+          <p:nvPr/>
+        </p:nvSpPr>
+        <p:spPr>
+          <a:xfrm>
+            <a:off x="9627769" y="19050"/>
+            <a:ext cx="2381250" cy="2381250"/>
+          </a:xfrm>
+          <a:prstGeom prst="rect">
+            <a:avLst/>
+          </a:prstGeom>
+          <a:blipFill dpi="0" rotWithShape="1">
+            <a:blip r:embed="rId3">
+              <a:alphaModFix amt="98000"/>
+              <a:duotone>
+                <a:prstClr val="black"/>
+                <a:schemeClr val="accent1">
+                  <a:tint val="45000"/>
+                  <a:satMod val="400000"/>
+                </a:schemeClr>
+              </a:duotone>
+              <a:extLst>
+                <a:ext uri="{28A0092B-C50C-407E-A947-70E740481C1C}">
+                  <a14:useLocalDpi xmlns:a14="http://schemas.microsoft.com/office/drawing/2010/main" val="0"/>
+                </a:ext>
+              </a:extLst>
+            </a:blip>
+            <a:srcRect/>
+            <a:stretch>
+              <a:fillRect/>
+            </a:stretch>
+          </a:blipFill>
+          <a:ln>
+            <a:noFill/>
+          </a:ln>
+        </p:spPr>
+        <p:style>
+          <a:lnRef idx="2">
+            <a:schemeClr val="accent1">
+              <a:shade val="50000"/>
+            </a:schemeClr>
+          </a:lnRef>
+          <a:fillRef idx="1">
+            <a:schemeClr val="accent1"/>
+          </a:fillRef>
+          <a:effectRef idx="0">
+            <a:schemeClr val="accent1"/>
+          </a:effectRef>
+          <a:fontRef idx="minor">
+            <a:schemeClr val="lt1"/>
+          </a:fontRef>
+        </p:style>
+        <p:txBody>
+          <a:bodyPr rtlCol="0" anchor="ctr"/>
+          <a:lstStyle/>
+          <a:p>
+            <a:pPr algn="ctr"/>
+            <a:endParaRPr lang="zh-CN" altLang="en-US"/>
+          </a:p>
+        </p:txBody>
+      </p:sp>
+      <p:sp>
+        <p:nvSpPr>
+          <p:cNvPr id="8" name="TextBox 7">
+            <a:extLst>
+              <a:ext uri="{FF2B5EF4-FFF2-40B4-BE49-F238E27FC236}">
+                <a16:creationId xmlns:a16="http://schemas.microsoft.com/office/drawing/2014/main" id="{A0EFA56D-6960-1612-950E-F3E1C04C69A2}"/>
+              </a:ext>
+            </a:extLst>
+          </p:cNvPr>
+          <p:cNvSpPr txBox="1"/>
+          <p:nvPr/>
+        </p:nvSpPr>
+        <p:spPr>
+          <a:xfrm>
+            <a:off x="5629275" y="6181725"/>
+            <a:ext cx="2223686" cy="461665"/>
+          </a:xfrm>
+          <a:prstGeom prst="rect">
+            <a:avLst/>
+          </a:prstGeom>
+          <a:noFill/>
+        </p:spPr>
+        <p:txBody>
+          <a:bodyPr wrap="none" rtlCol="0">
+            <a:spAutoFit/>
+          </a:bodyPr>
+          <a:lstStyle/>
+          <a:p>
+            <a:r>
+              <a:rPr lang="en-US" altLang="zh-CN" sz="2400" i="1" dirty="0" err="1">
+                <a:solidFill>
+                  <a:schemeClr val="bg1"/>
+                </a:solidFill>
+                <a:effectLst>
+                  <a:outerShdw blurRad="38100" dist="38100" dir="2700000" algn="tl">
+                    <a:srgbClr val="000000">
+                      <a:alpha val="43137"/>
+                    </a:srgbClr>
+                  </a:outerShdw>
+                </a:effectLst>
+                <a:latin typeface="Consolas" panose="020B0609020204030204" pitchFamily="49" charset="0"/>
+              </a:rPr>
+              <a:t>Sonicredible</a:t>
+            </a:r>
+            <a:endParaRPr lang="zh-CN" altLang="en-US" sz="2400" i="1" dirty="0">
+              <a:solidFill>
+                <a:schemeClr val="bg1"/>
+              </a:solidFill>
+              <a:effectLst>
+                <a:outerShdw blurRad="38100" dist="38100" dir="2700000" algn="tl">
+                  <a:srgbClr val="000000">
+                    <a:alpha val="43137"/>
+                  </a:srgbClr>
+                </a:outerShdw>
+              </a:effectLst>
+              <a:latin typeface="Consolas" panose="020B0609020204030204" pitchFamily="49" charset="0"/>
+            </a:endParaRPr>
+          </a:p>
+        </p:txBody>
+      </p:sp>
+    </p:spTree>
+    <p:extLst>
+      <p:ext uri="{BB962C8B-B14F-4D97-AF65-F5344CB8AC3E}">
+        <p14:creationId xmlns:p14="http://schemas.microsoft.com/office/powerpoint/2010/main" val="2301058022"/>
+      </p:ext>
+    </p:extLst>
+  </p:cSld>
+  <p:clrMapOvr>
+    <a:masterClrMapping/>
+  </p:clrMapOvr>
+</p:sld>
+</file>
+
+<file path=ppt/slides/slide7.xml><?xml version="1.0" encoding="utf-8"?>
+<p:sld xmlns:a="http://schemas.openxmlformats.org/drawingml/2006/main" xmlns:r="http://schemas.openxmlformats.org/officeDocument/2006/relationships" xmlns:p="http://schemas.openxmlformats.org/presentationml/2006/main">
+  <p:cSld>
+    <p:spTree>
+      <p:nvGrpSpPr>
+        <p:cNvPr id="1" name=""/>
+        <p:cNvGrpSpPr/>
+        <p:nvPr/>
+      </p:nvGrpSpPr>
+      <p:grpSpPr>
+        <a:xfrm>
+          <a:off x="0" y="0"/>
+          <a:ext cx="0" cy="0"/>
+          <a:chOff x="0" y="0"/>
+          <a:chExt cx="0" cy="0"/>
+        </a:xfrm>
+      </p:grpSpPr>
+      <p:sp>
+        <p:nvSpPr>
           <p:cNvPr id="4" name="Title 3">
             <a:extLst>
               <a:ext uri="{FF2B5EF4-FFF2-40B4-BE49-F238E27FC236}">
@@ -20013,7 +20904,7 @@
 </p:sld>
 </file>
 
-<file path=ppt/slides/slide6.xml><?xml version="1.0" encoding="utf-8"?>
+<file path=ppt/slides/slide8.xml><?xml version="1.0" encoding="utf-8"?>
 <p:sld xmlns:a="http://schemas.openxmlformats.org/drawingml/2006/main" xmlns:r="http://schemas.openxmlformats.org/officeDocument/2006/relationships" xmlns:p="http://schemas.openxmlformats.org/presentationml/2006/main">
   <p:cSld>
     <p:spTree>
@@ -20300,7 +21191,7 @@
 </p:sld>
 </file>
 
-<file path=ppt/slides/slide7.xml><?xml version="1.0" encoding="utf-8"?>
+<file path=ppt/slides/slide9.xml><?xml version="1.0" encoding="utf-8"?>
 <p:sld xmlns:a="http://schemas.openxmlformats.org/drawingml/2006/main" xmlns:r="http://schemas.openxmlformats.org/officeDocument/2006/relationships" xmlns:p="http://schemas.openxmlformats.org/presentationml/2006/main">
   <p:cSld>
     <p:spTree>
@@ -20587,293 +21478,6 @@
     <p:extLst>
       <p:ext uri="{BB962C8B-B14F-4D97-AF65-F5344CB8AC3E}">
         <p14:creationId xmlns:p14="http://schemas.microsoft.com/office/powerpoint/2010/main" val="1294161663"/>
-      </p:ext>
-    </p:extLst>
-  </p:cSld>
-  <p:clrMapOvr>
-    <a:masterClrMapping/>
-  </p:clrMapOvr>
-</p:sld>
-</file>
-
-<file path=ppt/slides/slide8.xml><?xml version="1.0" encoding="utf-8"?>
-<p:sld xmlns:a="http://schemas.openxmlformats.org/drawingml/2006/main" xmlns:r="http://schemas.openxmlformats.org/officeDocument/2006/relationships" xmlns:p="http://schemas.openxmlformats.org/presentationml/2006/main">
-  <p:cSld>
-    <p:spTree>
-      <p:nvGrpSpPr>
-        <p:cNvPr id="1" name=""/>
-        <p:cNvGrpSpPr/>
-        <p:nvPr/>
-      </p:nvGrpSpPr>
-      <p:grpSpPr>
-        <a:xfrm>
-          <a:off x="0" y="0"/>
-          <a:ext cx="0" cy="0"/>
-          <a:chOff x="0" y="0"/>
-          <a:chExt cx="0" cy="0"/>
-        </a:xfrm>
-      </p:grpSpPr>
-      <p:sp>
-        <p:nvSpPr>
-          <p:cNvPr id="12" name="Title 11">
-            <a:extLst>
-              <a:ext uri="{FF2B5EF4-FFF2-40B4-BE49-F238E27FC236}">
-                <a16:creationId xmlns:a16="http://schemas.microsoft.com/office/drawing/2014/main" id="{110C83CB-3D9E-4AB8-9D97-83A5221F68DC}"/>
-              </a:ext>
-            </a:extLst>
-          </p:cNvPr>
-          <p:cNvSpPr>
-            <a:spLocks noGrp="1"/>
-          </p:cNvSpPr>
-          <p:nvPr>
-            <p:ph type="title"/>
-          </p:nvPr>
-        </p:nvSpPr>
-        <p:spPr>
-          <a:xfrm>
-            <a:off x="457199" y="2569464"/>
-            <a:ext cx="3619501" cy="1179576"/>
-          </a:xfrm>
-        </p:spPr>
-        <p:txBody>
-          <a:bodyPr/>
-          <a:lstStyle/>
-          <a:p>
-            <a:r>
-              <a:rPr lang="en-US" dirty="0"/>
-              <a:t>AMUSEMENTS</a:t>
-            </a:r>
-          </a:p>
-        </p:txBody>
-      </p:sp>
-      <p:pic>
-        <p:nvPicPr>
-          <p:cNvPr id="22" name="Picture Placeholder 21" descr="Color swatch tawny orange">
-            <a:extLst>
-              <a:ext uri="{FF2B5EF4-FFF2-40B4-BE49-F238E27FC236}">
-                <a16:creationId xmlns:a16="http://schemas.microsoft.com/office/drawing/2014/main" id="{E90EFA49-87AA-420E-A193-C2516084479A}"/>
-              </a:ext>
-            </a:extLst>
-          </p:cNvPr>
-          <p:cNvPicPr>
-            <a:picLocks noGrp="1" noChangeAspect="1"/>
-          </p:cNvPicPr>
-          <p:nvPr>
-            <p:ph type="pic" sz="quarter" idx="13"/>
-          </p:nvPr>
-        </p:nvPicPr>
-        <p:blipFill rotWithShape="1">
-          <a:blip r:embed="rId2"/>
-          <a:srcRect l="105" r="105"/>
-          <a:stretch/>
-        </p:blipFill>
-        <p:spPr>
-          <a:xfrm>
-            <a:off x="4279392" y="1463040"/>
-            <a:ext cx="1499616" cy="2194560"/>
-          </a:xfrm>
-        </p:spPr>
-      </p:pic>
-      <p:pic>
-        <p:nvPicPr>
-          <p:cNvPr id="24" name="Picture Placeholder 23" descr="Color swatch very peri">
-            <a:extLst>
-              <a:ext uri="{FF2B5EF4-FFF2-40B4-BE49-F238E27FC236}">
-                <a16:creationId xmlns:a16="http://schemas.microsoft.com/office/drawing/2014/main" id="{385F869F-60E2-47C0-BAF7-5ADA904E37D4}"/>
-              </a:ext>
-            </a:extLst>
-          </p:cNvPr>
-          <p:cNvPicPr>
-            <a:picLocks noGrp="1" noChangeAspect="1"/>
-          </p:cNvPicPr>
-          <p:nvPr>
-            <p:ph type="pic" sz="quarter" idx="14"/>
-          </p:nvPr>
-        </p:nvPicPr>
-        <p:blipFill rotWithShape="1">
-          <a:blip r:embed="rId3"/>
-          <a:srcRect l="105" r="105"/>
-          <a:stretch/>
-        </p:blipFill>
-        <p:spPr>
-          <a:xfrm>
-            <a:off x="6227064" y="1463040"/>
-            <a:ext cx="1499616" cy="2194560"/>
-          </a:xfrm>
-        </p:spPr>
-      </p:pic>
-      <p:pic>
-        <p:nvPicPr>
-          <p:cNvPr id="26" name="Picture Placeholder 25" descr="Color swatch iced coffee">
-            <a:extLst>
-              <a:ext uri="{FF2B5EF4-FFF2-40B4-BE49-F238E27FC236}">
-                <a16:creationId xmlns:a16="http://schemas.microsoft.com/office/drawing/2014/main" id="{500B9E95-A0B6-44ED-A5B9-1DE0AF493FA7}"/>
-              </a:ext>
-            </a:extLst>
-          </p:cNvPr>
-          <p:cNvPicPr>
-            <a:picLocks noGrp="1" noChangeAspect="1"/>
-          </p:cNvPicPr>
-          <p:nvPr>
-            <p:ph type="pic" sz="quarter" idx="15"/>
-          </p:nvPr>
-        </p:nvPicPr>
-        <p:blipFill rotWithShape="1">
-          <a:blip r:embed="rId4"/>
-          <a:srcRect l="52" r="52"/>
-          <a:stretch/>
-        </p:blipFill>
-        <p:spPr>
-          <a:xfrm>
-            <a:off x="8174736" y="1463040"/>
-            <a:ext cx="1499616" cy="2194560"/>
-          </a:xfrm>
-        </p:spPr>
-      </p:pic>
-      <p:pic>
-        <p:nvPicPr>
-          <p:cNvPr id="28" name="Picture Placeholder 27" descr="Color swatch pink flambe">
-            <a:extLst>
-              <a:ext uri="{FF2B5EF4-FFF2-40B4-BE49-F238E27FC236}">
-                <a16:creationId xmlns:a16="http://schemas.microsoft.com/office/drawing/2014/main" id="{6C08EE4B-CAD5-4A12-8042-F3968B07C475}"/>
-              </a:ext>
-            </a:extLst>
-          </p:cNvPr>
-          <p:cNvPicPr>
-            <a:picLocks noGrp="1" noChangeAspect="1"/>
-          </p:cNvPicPr>
-          <p:nvPr>
-            <p:ph type="pic" sz="quarter" idx="16"/>
-          </p:nvPr>
-        </p:nvPicPr>
-        <p:blipFill rotWithShape="1">
-          <a:blip r:embed="rId5"/>
-          <a:srcRect l="52" r="52"/>
-          <a:stretch/>
-        </p:blipFill>
-        <p:spPr>
-          <a:xfrm>
-            <a:off x="10122408" y="1463040"/>
-            <a:ext cx="1499616" cy="2194560"/>
-          </a:xfrm>
-        </p:spPr>
-      </p:pic>
-      <p:pic>
-        <p:nvPicPr>
-          <p:cNvPr id="30" name="Picture Placeholder 29" descr="Color swatch fuchsia pink">
-            <a:extLst>
-              <a:ext uri="{FF2B5EF4-FFF2-40B4-BE49-F238E27FC236}">
-                <a16:creationId xmlns:a16="http://schemas.microsoft.com/office/drawing/2014/main" id="{87CFE92E-F489-4195-ABCD-D89E2663F9DD}"/>
-              </a:ext>
-            </a:extLst>
-          </p:cNvPr>
-          <p:cNvPicPr>
-            <a:picLocks noGrp="1" noChangeAspect="1"/>
-          </p:cNvPicPr>
-          <p:nvPr>
-            <p:ph type="pic" sz="quarter" idx="17"/>
-          </p:nvPr>
-        </p:nvPicPr>
-        <p:blipFill rotWithShape="1">
-          <a:blip r:embed="rId6"/>
-          <a:srcRect l="105" r="105"/>
-          <a:stretch/>
-        </p:blipFill>
-        <p:spPr>
-          <a:xfrm>
-            <a:off x="4279392" y="4087368"/>
-            <a:ext cx="1499616" cy="2194560"/>
-          </a:xfrm>
-        </p:spPr>
-      </p:pic>
-      <p:pic>
-        <p:nvPicPr>
-          <p:cNvPr id="32" name="Picture Placeholder 31" descr="Color swatch paradise pink">
-            <a:extLst>
-              <a:ext uri="{FF2B5EF4-FFF2-40B4-BE49-F238E27FC236}">
-                <a16:creationId xmlns:a16="http://schemas.microsoft.com/office/drawing/2014/main" id="{DD6340D8-6347-4F3C-B04F-6B0AFD6AD08F}"/>
-              </a:ext>
-            </a:extLst>
-          </p:cNvPr>
-          <p:cNvPicPr>
-            <a:picLocks noGrp="1" noChangeAspect="1"/>
-          </p:cNvPicPr>
-          <p:nvPr>
-            <p:ph type="pic" sz="quarter" idx="18"/>
-          </p:nvPr>
-        </p:nvPicPr>
-        <p:blipFill rotWithShape="1">
-          <a:blip r:embed="rId7"/>
-          <a:srcRect l="105" r="105"/>
-          <a:stretch/>
-        </p:blipFill>
-        <p:spPr>
-          <a:xfrm>
-            <a:off x="6227064" y="4087368"/>
-            <a:ext cx="1499616" cy="2194560"/>
-          </a:xfrm>
-        </p:spPr>
-      </p:pic>
-      <p:pic>
-        <p:nvPicPr>
-          <p:cNvPr id="34" name="Picture Placeholder 33" descr="Color swatch cornsilk">
-            <a:extLst>
-              <a:ext uri="{FF2B5EF4-FFF2-40B4-BE49-F238E27FC236}">
-                <a16:creationId xmlns:a16="http://schemas.microsoft.com/office/drawing/2014/main" id="{939A25C6-0BAB-4696-BEB2-EA80D9A58734}"/>
-              </a:ext>
-            </a:extLst>
-          </p:cNvPr>
-          <p:cNvPicPr>
-            <a:picLocks noGrp="1" noChangeAspect="1"/>
-          </p:cNvPicPr>
-          <p:nvPr>
-            <p:ph type="pic" sz="quarter" idx="19"/>
-          </p:nvPr>
-        </p:nvPicPr>
-        <p:blipFill rotWithShape="1">
-          <a:blip r:embed="rId8"/>
-          <a:srcRect l="52" r="52"/>
-          <a:stretch/>
-        </p:blipFill>
-        <p:spPr>
-          <a:xfrm>
-            <a:off x="8174736" y="4087368"/>
-            <a:ext cx="1499616" cy="2194560"/>
-          </a:xfrm>
-        </p:spPr>
-      </p:pic>
-      <p:pic>
-        <p:nvPicPr>
-          <p:cNvPr id="36" name="Picture Placeholder 35" descr="Color swatch tourmaline">
-            <a:extLst>
-              <a:ext uri="{FF2B5EF4-FFF2-40B4-BE49-F238E27FC236}">
-                <a16:creationId xmlns:a16="http://schemas.microsoft.com/office/drawing/2014/main" id="{C9DE44EF-C424-4FDE-932C-92EAB598B2A7}"/>
-              </a:ext>
-            </a:extLst>
-          </p:cNvPr>
-          <p:cNvPicPr>
-            <a:picLocks noGrp="1" noChangeAspect="1"/>
-          </p:cNvPicPr>
-          <p:nvPr>
-            <p:ph type="pic" sz="quarter" idx="20"/>
-          </p:nvPr>
-        </p:nvPicPr>
-        <p:blipFill rotWithShape="1">
-          <a:blip r:embed="rId9"/>
-          <a:srcRect l="257" r="257"/>
-          <a:stretch/>
-        </p:blipFill>
-        <p:spPr>
-          <a:xfrm>
-            <a:off x="10122408" y="4087368"/>
-            <a:ext cx="1499616" cy="2194560"/>
-          </a:xfrm>
-        </p:spPr>
-      </p:pic>
-    </p:spTree>
-    <p:extLst>
-      <p:ext uri="{BB962C8B-B14F-4D97-AF65-F5344CB8AC3E}">
-        <p14:creationId xmlns:p14="http://schemas.microsoft.com/office/powerpoint/2010/main" val="3106832019"/>
       </p:ext>
     </p:extLst>
   </p:cSld>
